--- a/Organizational Measures Project/Organizational Measures.pptx
+++ b/Organizational Measures Project/Organizational Measures.pptx
@@ -203,12 +203,12 @@
   <pc:docChgLst>
     <pc:chgData name="Eddie Vega" userId="75e02eca2565d812" providerId="LiveId" clId="{B68A8AA1-2649-4362-89DE-ABBD9A0C5A27}"/>
     <pc:docChg chg="custSel delSld modSld">
-      <pc:chgData name="Eddie Vega" userId="75e02eca2565d812" providerId="LiveId" clId="{B68A8AA1-2649-4362-89DE-ABBD9A0C5A27}" dt="2023-03-14T19:31:54.454" v="33" actId="47"/>
+      <pc:chgData name="Eddie Vega" userId="75e02eca2565d812" providerId="LiveId" clId="{B68A8AA1-2649-4362-89DE-ABBD9A0C5A27}" dt="2023-03-14T19:53:33.894" v="43" actId="20577"/>
       <pc:docMkLst>
         <pc:docMk/>
       </pc:docMkLst>
       <pc:sldChg chg="modSp mod">
-        <pc:chgData name="Eddie Vega" userId="75e02eca2565d812" providerId="LiveId" clId="{B68A8AA1-2649-4362-89DE-ABBD9A0C5A27}" dt="2023-03-14T19:31:08.494" v="31" actId="313"/>
+        <pc:chgData name="Eddie Vega" userId="75e02eca2565d812" providerId="LiveId" clId="{B68A8AA1-2649-4362-89DE-ABBD9A0C5A27}" dt="2023-03-14T19:53:33.894" v="43" actId="20577"/>
         <pc:sldMkLst>
           <pc:docMk/>
           <pc:sldMk cId="1317816183" sldId="256"/>
@@ -219,6 +219,14 @@
             <pc:docMk/>
             <pc:sldMk cId="1317816183" sldId="256"/>
             <ac:spMk id="2" creationId="{A6B9D28F-F9DB-4258-BF9A-C5BEB3A8FB4D}"/>
+          </ac:spMkLst>
+        </pc:spChg>
+        <pc:spChg chg="mod">
+          <ac:chgData name="Eddie Vega" userId="75e02eca2565d812" providerId="LiveId" clId="{B68A8AA1-2649-4362-89DE-ABBD9A0C5A27}" dt="2023-03-14T19:53:33.894" v="43" actId="20577"/>
+          <ac:spMkLst>
+            <pc:docMk/>
+            <pc:sldMk cId="1317816183" sldId="256"/>
+            <ac:spMk id="3" creationId="{5A79815F-1AFF-4977-8F57-AD58B5E506DA}"/>
           </ac:spMkLst>
         </pc:spChg>
       </pc:sldChg>
@@ -4367,6 +4375,14 @@
           <a:bodyPr/>
           <a:lstStyle/>
           <a:p>
+            <a:r>
+              <a:rPr lang="en-US" dirty="0"/>
+              <a:t>Eddie </a:t>
+            </a:r>
+            <a:r>
+              <a:rPr lang="en-US"/>
+              <a:t>Zare</a:t>
+            </a:r>
             <a:endParaRPr lang="en-US" dirty="0"/>
           </a:p>
         </p:txBody>
